--- a/350 - I'm Pressing on the Upward Way.pptx
+++ b/350 - I'm Pressing on the Upward Way.pptx
@@ -6,13 +6,9 @@
   </p:sldMasterIdLst>
   <p:sldIdLst>
     <p:sldId id="256" r:id="rId2"/>
-    <p:sldId id="257" r:id="rId3"/>
-    <p:sldId id="258" r:id="rId4"/>
-    <p:sldId id="259" r:id="rId5"/>
-    <p:sldId id="260" r:id="rId6"/>
-    <p:sldId id="261" r:id="rId7"/>
-    <p:sldId id="262" r:id="rId8"/>
-    <p:sldId id="263" r:id="rId9"/>
+    <p:sldId id="258" r:id="rId3"/>
+    <p:sldId id="260" r:id="rId4"/>
+    <p:sldId id="262" r:id="rId5"/>
   </p:sldIdLst>
   <p:sldSz cx="12192000" cy="6858000"/>
   <p:notesSz cx="6858000" cy="9144000"/>
@@ -119,10 +115,6 @@
 </p:presentation>
 </file>
 
-<file path=ppt/revisionInfo.xml><?xml version="1.0" encoding="utf-8"?>
-<p1510:revInfo xmlns:a="http://schemas.openxmlformats.org/drawingml/2006/main" xmlns:r="http://schemas.openxmlformats.org/officeDocument/2006/relationships" xmlns:p1510="http://schemas.microsoft.com/office/powerpoint/2015/10/main"/>
-</file>
-
 <file path=ppt/slideLayouts/slideLayout1.xml><?xml version="1.0" encoding="utf-8"?>
 <p:sldLayout xmlns:a="http://schemas.openxmlformats.org/drawingml/2006/main" xmlns:r="http://schemas.openxmlformats.org/officeDocument/2006/relationships" xmlns:p="http://schemas.openxmlformats.org/presentationml/2006/main" type="title" preserve="1">
   <p:cSld name="Title Slide">
@@ -252,7 +244,7 @@
           <a:p>
             <a:fld id="{32F7251A-AE54-443C-B8FE-5F636E835EBF}" type="datetimeFigureOut">
               <a:rPr lang="en-US" smtClean="0"/>
-              <a:t>8/12/2017</a:t>
+              <a:t>8/30/2020</a:t>
             </a:fld>
             <a:endParaRPr lang="en-US"/>
           </a:p>
@@ -420,7 +412,7 @@
           <a:p>
             <a:fld id="{32F7251A-AE54-443C-B8FE-5F636E835EBF}" type="datetimeFigureOut">
               <a:rPr lang="en-US" smtClean="0"/>
-              <a:t>8/12/2017</a:t>
+              <a:t>8/30/2020</a:t>
             </a:fld>
             <a:endParaRPr lang="en-US"/>
           </a:p>
@@ -598,7 +590,7 @@
           <a:p>
             <a:fld id="{32F7251A-AE54-443C-B8FE-5F636E835EBF}" type="datetimeFigureOut">
               <a:rPr lang="en-US" smtClean="0"/>
-              <a:t>8/12/2017</a:t>
+              <a:t>8/30/2020</a:t>
             </a:fld>
             <a:endParaRPr lang="en-US"/>
           </a:p>
@@ -766,7 +758,7 @@
           <a:p>
             <a:fld id="{32F7251A-AE54-443C-B8FE-5F636E835EBF}" type="datetimeFigureOut">
               <a:rPr lang="en-US" smtClean="0"/>
-              <a:t>8/12/2017</a:t>
+              <a:t>8/30/2020</a:t>
             </a:fld>
             <a:endParaRPr lang="en-US"/>
           </a:p>
@@ -1011,7 +1003,7 @@
           <a:p>
             <a:fld id="{32F7251A-AE54-443C-B8FE-5F636E835EBF}" type="datetimeFigureOut">
               <a:rPr lang="en-US" smtClean="0"/>
-              <a:t>8/12/2017</a:t>
+              <a:t>8/30/2020</a:t>
             </a:fld>
             <a:endParaRPr lang="en-US"/>
           </a:p>
@@ -1240,7 +1232,7 @@
           <a:p>
             <a:fld id="{32F7251A-AE54-443C-B8FE-5F636E835EBF}" type="datetimeFigureOut">
               <a:rPr lang="en-US" smtClean="0"/>
-              <a:t>8/12/2017</a:t>
+              <a:t>8/30/2020</a:t>
             </a:fld>
             <a:endParaRPr lang="en-US"/>
           </a:p>
@@ -1604,7 +1596,7 @@
           <a:p>
             <a:fld id="{32F7251A-AE54-443C-B8FE-5F636E835EBF}" type="datetimeFigureOut">
               <a:rPr lang="en-US" smtClean="0"/>
-              <a:t>8/12/2017</a:t>
+              <a:t>8/30/2020</a:t>
             </a:fld>
             <a:endParaRPr lang="en-US"/>
           </a:p>
@@ -1721,7 +1713,7 @@
           <a:p>
             <a:fld id="{32F7251A-AE54-443C-B8FE-5F636E835EBF}" type="datetimeFigureOut">
               <a:rPr lang="en-US" smtClean="0"/>
-              <a:t>8/12/2017</a:t>
+              <a:t>8/30/2020</a:t>
             </a:fld>
             <a:endParaRPr lang="en-US"/>
           </a:p>
@@ -1816,7 +1808,7 @@
           <a:p>
             <a:fld id="{32F7251A-AE54-443C-B8FE-5F636E835EBF}" type="datetimeFigureOut">
               <a:rPr lang="en-US" smtClean="0"/>
-              <a:t>8/12/2017</a:t>
+              <a:t>8/30/2020</a:t>
             </a:fld>
             <a:endParaRPr lang="en-US"/>
           </a:p>
@@ -2091,7 +2083,7 @@
           <a:p>
             <a:fld id="{32F7251A-AE54-443C-B8FE-5F636E835EBF}" type="datetimeFigureOut">
               <a:rPr lang="en-US" smtClean="0"/>
-              <a:t>8/12/2017</a:t>
+              <a:t>8/30/2020</a:t>
             </a:fld>
             <a:endParaRPr lang="en-US"/>
           </a:p>
@@ -2343,7 +2335,7 @@
           <a:p>
             <a:fld id="{32F7251A-AE54-443C-B8FE-5F636E835EBF}" type="datetimeFigureOut">
               <a:rPr lang="en-US" smtClean="0"/>
-              <a:t>8/12/2017</a:t>
+              <a:t>8/30/2020</a:t>
             </a:fld>
             <a:endParaRPr lang="en-US"/>
           </a:p>
@@ -2410,7 +2402,9 @@
     <p:bg>
       <p:bgPr>
         <a:solidFill>
-          <a:srgbClr val="333333"/>
+          <a:schemeClr val="bg1">
+            <a:lumMod val="10000"/>
+          </a:schemeClr>
         </a:solidFill>
         <a:effectLst/>
       </p:bgPr>
@@ -2557,7 +2551,7 @@
           <a:p>
             <a:fld id="{32F7251A-AE54-443C-B8FE-5F636E835EBF}" type="datetimeFigureOut">
               <a:rPr lang="en-US" smtClean="0"/>
-              <a:t>8/12/2017</a:t>
+              <a:t>8/30/2020</a:t>
             </a:fld>
             <a:endParaRPr lang="en-US"/>
           </a:p>
@@ -3027,8 +3021,8 @@
         </p:nvSpPr>
         <p:spPr>
           <a:xfrm>
-            <a:off x="0" y="5804209"/>
-            <a:ext cx="12192000" cy="830997"/>
+            <a:off x="0" y="5927320"/>
+            <a:ext cx="12192000" cy="584775"/>
           </a:xfrm>
           <a:prstGeom prst="rect">
             <a:avLst/>
@@ -3043,10 +3037,12 @@
           <a:p>
             <a:pPr algn="ctr"/>
             <a:r>
-              <a:rPr lang="en-US" sz="4800" dirty="0">
+              <a:rPr lang="en-US" sz="3200" u="sng" dirty="0">
                 <a:solidFill>
                   <a:schemeClr val="bg1"/>
                 </a:solidFill>
+                <a:latin typeface="Assistant SemiBold" panose="00000700000000000000" pitchFamily="2" charset="-79"/>
+                <a:cs typeface="Assistant SemiBold" panose="00000700000000000000" pitchFamily="2" charset="-79"/>
               </a:rPr>
               <a:t>“I’m Pressing on the Upward Way”</a:t>
             </a:r>
@@ -3061,8 +3057,8 @@
         </p:nvSpPr>
         <p:spPr>
           <a:xfrm>
-            <a:off x="0" y="1045678"/>
-            <a:ext cx="12192000" cy="2862322"/>
+            <a:off x="0" y="820198"/>
+            <a:ext cx="12192000" cy="4401205"/>
           </a:xfrm>
           <a:prstGeom prst="rect">
             <a:avLst/>
@@ -3077,10 +3073,12 @@
           <a:p>
             <a:pPr algn="ctr"/>
             <a:r>
-              <a:rPr lang="en-US" sz="3600" dirty="0">
+              <a:rPr lang="en-US" sz="2800" spc="50" dirty="0">
                 <a:solidFill>
                   <a:schemeClr val="bg1"/>
                 </a:solidFill>
+                <a:latin typeface="Assistant" panose="00000500000000000000" pitchFamily="2" charset="-79"/>
+                <a:cs typeface="Assistant" panose="00000500000000000000" pitchFamily="2" charset="-79"/>
               </a:rPr>
               <a:t>I’m pressing on the upward way;</a:t>
             </a:r>
@@ -3088,43 +3086,113 @@
           <a:p>
             <a:pPr algn="ctr"/>
             <a:r>
-              <a:rPr lang="en-US" sz="3600" dirty="0">
+              <a:rPr lang="en-US" sz="2800" spc="50" dirty="0">
                 <a:solidFill>
                   <a:schemeClr val="bg1"/>
                 </a:solidFill>
+                <a:latin typeface="Assistant" panose="00000500000000000000" pitchFamily="2" charset="-79"/>
+                <a:cs typeface="Assistant" panose="00000500000000000000" pitchFamily="2" charset="-79"/>
               </a:rPr>
               <a:t>New heights I’m gaining every day!</a:t>
             </a:r>
           </a:p>
           <a:p>
             <a:pPr algn="ctr"/>
-            <a:endParaRPr lang="en-US" sz="3600" dirty="0">
+            <a:r>
+              <a:rPr lang="en-US" sz="2800" spc="50" dirty="0">
+                <a:solidFill>
+                  <a:schemeClr val="bg1"/>
+                </a:solidFill>
+                <a:latin typeface="Assistant" panose="00000500000000000000" pitchFamily="2" charset="-79"/>
+                <a:cs typeface="Assistant" panose="00000500000000000000" pitchFamily="2" charset="-79"/>
+              </a:rPr>
+              <a:t>Still praying as I’m onward bound,</a:t>
+            </a:r>
+          </a:p>
+          <a:p>
+            <a:pPr algn="ctr"/>
+            <a:r>
+              <a:rPr lang="en-US" sz="2800" spc="50" dirty="0">
+                <a:solidFill>
+                  <a:schemeClr val="bg1"/>
+                </a:solidFill>
+                <a:latin typeface="Assistant" panose="00000500000000000000" pitchFamily="2" charset="-79"/>
+                <a:cs typeface="Assistant" panose="00000500000000000000" pitchFamily="2" charset="-79"/>
+              </a:rPr>
+              <a:t>“Lord, plant my feet on higher ground.”</a:t>
+            </a:r>
+          </a:p>
+          <a:p>
+            <a:pPr algn="ctr"/>
+            <a:endParaRPr lang="en-US" sz="2800" spc="50" dirty="0">
               <a:solidFill>
                 <a:schemeClr val="bg1"/>
               </a:solidFill>
+              <a:latin typeface="Assistant" panose="00000500000000000000" pitchFamily="2" charset="-79"/>
+              <a:cs typeface="Assistant" panose="00000500000000000000" pitchFamily="2" charset="-79"/>
             </a:endParaRPr>
           </a:p>
           <a:p>
             <a:pPr algn="ctr"/>
             <a:r>
-              <a:rPr lang="en-US" sz="3600" dirty="0">
+              <a:rPr lang="en-US" sz="2800" spc="50" dirty="0">
                 <a:solidFill>
                   <a:schemeClr val="bg1"/>
                 </a:solidFill>
+                <a:latin typeface="Assistant" panose="00000500000000000000" pitchFamily="2" charset="-79"/>
+                <a:cs typeface="Assistant" panose="00000500000000000000" pitchFamily="2" charset="-79"/>
               </a:rPr>
-              <a:t>Still praying as I’m onward bound,</a:t>
-            </a:r>
-          </a:p>
-          <a:p>
-            <a:pPr algn="ctr"/>
-            <a:r>
-              <a:rPr lang="en-US" sz="3600" dirty="0">
+              <a:t>Lord, lift me up and let me stand</a:t>
+            </a:r>
+          </a:p>
+          <a:p>
+            <a:pPr algn="ctr"/>
+            <a:r>
+              <a:rPr lang="en-US" sz="2800" spc="50" dirty="0">
                 <a:solidFill>
                   <a:schemeClr val="bg1"/>
                 </a:solidFill>
+                <a:latin typeface="Assistant" panose="00000500000000000000" pitchFamily="2" charset="-79"/>
+                <a:cs typeface="Assistant" panose="00000500000000000000" pitchFamily="2" charset="-79"/>
               </a:rPr>
-              <a:t>“Lord, plant my feet on higher ground.”</a:t>
-            </a:r>
+              <a:t>By faith on heaven’s table-land--</a:t>
+            </a:r>
+          </a:p>
+          <a:p>
+            <a:pPr algn="ctr"/>
+            <a:r>
+              <a:rPr lang="en-US" sz="2800" spc="50" dirty="0">
+                <a:solidFill>
+                  <a:schemeClr val="bg1"/>
+                </a:solidFill>
+                <a:latin typeface="Assistant" panose="00000500000000000000" pitchFamily="2" charset="-79"/>
+                <a:cs typeface="Assistant" panose="00000500000000000000" pitchFamily="2" charset="-79"/>
+              </a:rPr>
+              <a:t>A higher plane than I have found;</a:t>
+            </a:r>
+          </a:p>
+          <a:p>
+            <a:pPr algn="ctr"/>
+            <a:r>
+              <a:rPr lang="en-US" sz="2800" spc="50" dirty="0">
+                <a:solidFill>
+                  <a:schemeClr val="bg1"/>
+                </a:solidFill>
+                <a:latin typeface="Assistant" panose="00000500000000000000" pitchFamily="2" charset="-79"/>
+                <a:cs typeface="Assistant" panose="00000500000000000000" pitchFamily="2" charset="-79"/>
+              </a:rPr>
+              <a:t>Lord, plant my feet on higher ground.</a:t>
+            </a:r>
+          </a:p>
+          <a:p>
+            <a:pPr algn="ctr"/>
+            <a:endParaRPr lang="en-US" sz="2800" spc="50" dirty="0">
+              <a:solidFill>
+                <a:schemeClr val="bg1"/>
+              </a:solidFill>
+              <a:latin typeface="Assistant" panose="00000500000000000000" pitchFamily="2" charset="-79"/>
+              <a:cs typeface="Assistant" panose="00000500000000000000" pitchFamily="2" charset="-79"/>
+            </a:endParaRPr>
           </a:p>
         </p:txBody>
       </p:sp>
@@ -3223,8 +3291,8 @@
         </p:nvSpPr>
         <p:spPr>
           <a:xfrm>
-            <a:off x="0" y="5804209"/>
-            <a:ext cx="12192000" cy="830997"/>
+            <a:off x="0" y="5927320"/>
+            <a:ext cx="12192000" cy="584775"/>
           </a:xfrm>
           <a:prstGeom prst="rect">
             <a:avLst/>
@@ -3239,10 +3307,12 @@
           <a:p>
             <a:pPr algn="ctr"/>
             <a:r>
-              <a:rPr lang="en-US" sz="4800" dirty="0">
+              <a:rPr lang="en-US" sz="3200" u="sng" dirty="0">
                 <a:solidFill>
                   <a:schemeClr val="bg1"/>
                 </a:solidFill>
+                <a:latin typeface="Assistant SemiBold" panose="00000700000000000000" pitchFamily="2" charset="-79"/>
+                <a:cs typeface="Assistant SemiBold" panose="00000700000000000000" pitchFamily="2" charset="-79"/>
               </a:rPr>
               <a:t>“I’m Pressing on the Upward Way”</a:t>
             </a:r>
@@ -3257,8 +3327,8 @@
         </p:nvSpPr>
         <p:spPr>
           <a:xfrm>
-            <a:off x="0" y="1045678"/>
-            <a:ext cx="12192000" cy="2862322"/>
+            <a:off x="0" y="820198"/>
+            <a:ext cx="12192000" cy="4401205"/>
           </a:xfrm>
           <a:prstGeom prst="rect">
             <a:avLst/>
@@ -3273,40 +3343,100 @@
           <a:p>
             <a:pPr algn="ctr"/>
             <a:r>
-              <a:rPr lang="en-US" sz="3600" dirty="0">
+              <a:rPr lang="en-US" sz="2800" spc="50" dirty="0">
                 <a:solidFill>
                   <a:schemeClr val="bg1"/>
                 </a:solidFill>
+                <a:latin typeface="Assistant" panose="00000500000000000000" pitchFamily="2" charset="-79"/>
+                <a:cs typeface="Assistant" panose="00000500000000000000" pitchFamily="2" charset="-79"/>
               </a:rPr>
-              <a:t>Lord, lift me up and let me stand</a:t>
-            </a:r>
-          </a:p>
-          <a:p>
-            <a:pPr algn="ctr"/>
-            <a:r>
-              <a:rPr lang="en-US" sz="3600" dirty="0">
+              <a:t>My heart has no desire to stay</a:t>
+            </a:r>
+          </a:p>
+          <a:p>
+            <a:pPr algn="ctr"/>
+            <a:r>
+              <a:rPr lang="en-US" sz="2800" spc="50" dirty="0">
                 <a:solidFill>
                   <a:schemeClr val="bg1"/>
                 </a:solidFill>
+                <a:latin typeface="Assistant" panose="00000500000000000000" pitchFamily="2" charset="-79"/>
+                <a:cs typeface="Assistant" panose="00000500000000000000" pitchFamily="2" charset="-79"/>
               </a:rPr>
-              <a:t>By faith on heaven’s table-land--</a:t>
-            </a:r>
-          </a:p>
-          <a:p>
-            <a:pPr algn="ctr"/>
-            <a:endParaRPr lang="en-US" sz="3600" dirty="0">
+              <a:t>Where doubts arise and fears dismay;</a:t>
+            </a:r>
+          </a:p>
+          <a:p>
+            <a:pPr algn="ctr"/>
+            <a:r>
+              <a:rPr lang="en-US" sz="2800" spc="50" dirty="0">
+                <a:solidFill>
+                  <a:schemeClr val="bg1"/>
+                </a:solidFill>
+                <a:latin typeface="Assistant" panose="00000500000000000000" pitchFamily="2" charset="-79"/>
+                <a:cs typeface="Assistant" panose="00000500000000000000" pitchFamily="2" charset="-79"/>
+              </a:rPr>
+              <a:t>Though some may dwell where these abound,</a:t>
+            </a:r>
+          </a:p>
+          <a:p>
+            <a:pPr algn="ctr"/>
+            <a:r>
+              <a:rPr lang="en-US" sz="2800" spc="50" dirty="0">
+                <a:solidFill>
+                  <a:schemeClr val="bg1"/>
+                </a:solidFill>
+                <a:latin typeface="Assistant" panose="00000500000000000000" pitchFamily="2" charset="-79"/>
+                <a:cs typeface="Assistant" panose="00000500000000000000" pitchFamily="2" charset="-79"/>
+              </a:rPr>
+              <a:t>My prayer, my aim is higher ground.</a:t>
+            </a:r>
+          </a:p>
+          <a:p>
+            <a:pPr algn="ctr"/>
+            <a:endParaRPr lang="en-US" sz="2800" spc="50" dirty="0">
               <a:solidFill>
                 <a:schemeClr val="bg1"/>
               </a:solidFill>
+              <a:latin typeface="Assistant" panose="00000500000000000000" pitchFamily="2" charset="-79"/>
+              <a:cs typeface="Assistant" panose="00000500000000000000" pitchFamily="2" charset="-79"/>
             </a:endParaRPr>
           </a:p>
           <a:p>
             <a:pPr algn="ctr"/>
             <a:r>
-              <a:rPr lang="en-US" sz="3600" dirty="0">
+              <a:rPr lang="en-US" sz="2800" spc="50" dirty="0">
                 <a:solidFill>
                   <a:schemeClr val="bg1"/>
                 </a:solidFill>
+                <a:latin typeface="Assistant" panose="00000500000000000000" pitchFamily="2" charset="-79"/>
+                <a:cs typeface="Assistant" panose="00000500000000000000" pitchFamily="2" charset="-79"/>
+              </a:rPr>
+              <a:t>Lord, lift me up and let me stand</a:t>
+            </a:r>
+          </a:p>
+          <a:p>
+            <a:pPr algn="ctr"/>
+            <a:r>
+              <a:rPr lang="en-US" sz="2800" spc="50" dirty="0">
+                <a:solidFill>
+                  <a:schemeClr val="bg1"/>
+                </a:solidFill>
+                <a:latin typeface="Assistant" panose="00000500000000000000" pitchFamily="2" charset="-79"/>
+                <a:cs typeface="Assistant" panose="00000500000000000000" pitchFamily="2" charset="-79"/>
+              </a:rPr>
+              <a:t>By faith on heaven’s table-land--</a:t>
+            </a:r>
+          </a:p>
+          <a:p>
+            <a:pPr algn="ctr"/>
+            <a:r>
+              <a:rPr lang="en-US" sz="2800" spc="50" dirty="0">
+                <a:solidFill>
+                  <a:schemeClr val="bg1"/>
+                </a:solidFill>
+                <a:latin typeface="Assistant" panose="00000500000000000000" pitchFamily="2" charset="-79"/>
+                <a:cs typeface="Assistant" panose="00000500000000000000" pitchFamily="2" charset="-79"/>
               </a:rPr>
               <a:t>A higher plane than I have found;</a:t>
             </a:r>
@@ -3314,20 +3444,32 @@
           <a:p>
             <a:pPr algn="ctr"/>
             <a:r>
-              <a:rPr lang="en-US" sz="3600" dirty="0">
+              <a:rPr lang="en-US" sz="2800" spc="50" dirty="0">
                 <a:solidFill>
                   <a:schemeClr val="bg1"/>
                 </a:solidFill>
+                <a:latin typeface="Assistant" panose="00000500000000000000" pitchFamily="2" charset="-79"/>
+                <a:cs typeface="Assistant" panose="00000500000000000000" pitchFamily="2" charset="-79"/>
               </a:rPr>
               <a:t>Lord, plant my feet on higher ground.</a:t>
             </a:r>
+          </a:p>
+          <a:p>
+            <a:pPr algn="ctr"/>
+            <a:endParaRPr lang="en-US" sz="2800" spc="50" dirty="0">
+              <a:solidFill>
+                <a:schemeClr val="bg1"/>
+              </a:solidFill>
+              <a:latin typeface="Assistant" panose="00000500000000000000" pitchFamily="2" charset="-79"/>
+              <a:cs typeface="Assistant" panose="00000500000000000000" pitchFamily="2" charset="-79"/>
+            </a:endParaRPr>
           </a:p>
         </p:txBody>
       </p:sp>
     </p:spTree>
     <p:extLst>
       <p:ext uri="{BB962C8B-B14F-4D97-AF65-F5344CB8AC3E}">
-        <p14:creationId xmlns:p14="http://schemas.microsoft.com/office/powerpoint/2010/main" val="297243505"/>
+        <p14:creationId xmlns:p14="http://schemas.microsoft.com/office/powerpoint/2010/main" val="2565992513"/>
       </p:ext>
     </p:extLst>
   </p:cSld>
@@ -3419,8 +3561,8 @@
         </p:nvSpPr>
         <p:spPr>
           <a:xfrm>
-            <a:off x="0" y="5804209"/>
-            <a:ext cx="12192000" cy="830997"/>
+            <a:off x="0" y="5927320"/>
+            <a:ext cx="12192000" cy="584775"/>
           </a:xfrm>
           <a:prstGeom prst="rect">
             <a:avLst/>
@@ -3435,10 +3577,12 @@
           <a:p>
             <a:pPr algn="ctr"/>
             <a:r>
-              <a:rPr lang="en-US" sz="4800" dirty="0">
+              <a:rPr lang="en-US" sz="3200" u="sng" dirty="0">
                 <a:solidFill>
                   <a:schemeClr val="bg1"/>
                 </a:solidFill>
+                <a:latin typeface="Assistant SemiBold" panose="00000700000000000000" pitchFamily="2" charset="-79"/>
+                <a:cs typeface="Assistant SemiBold" panose="00000700000000000000" pitchFamily="2" charset="-79"/>
               </a:rPr>
               <a:t>“I’m Pressing on the Upward Way”</a:t>
             </a:r>
@@ -3453,8 +3597,8 @@
         </p:nvSpPr>
         <p:spPr>
           <a:xfrm>
-            <a:off x="0" y="1045678"/>
-            <a:ext cx="12192000" cy="2862322"/>
+            <a:off x="0" y="820198"/>
+            <a:ext cx="12192000" cy="4401205"/>
           </a:xfrm>
           <a:prstGeom prst="rect">
             <a:avLst/>
@@ -3469,61 +3613,133 @@
           <a:p>
             <a:pPr algn="ctr"/>
             <a:r>
-              <a:rPr lang="en-US" sz="3600" dirty="0">
+              <a:rPr lang="en-US" sz="2800" spc="50" dirty="0">
                 <a:solidFill>
                   <a:schemeClr val="bg1"/>
                 </a:solidFill>
+                <a:latin typeface="Assistant" panose="00000500000000000000" pitchFamily="2" charset="-79"/>
+                <a:cs typeface="Assistant" panose="00000500000000000000" pitchFamily="2" charset="-79"/>
               </a:rPr>
-              <a:t>My heart has no desire to stay</a:t>
-            </a:r>
-          </a:p>
-          <a:p>
-            <a:pPr algn="ctr"/>
-            <a:r>
-              <a:rPr lang="en-US" sz="3600" dirty="0">
+              <a:t>I want to live above the world,</a:t>
+            </a:r>
+          </a:p>
+          <a:p>
+            <a:pPr algn="ctr"/>
+            <a:r>
+              <a:rPr lang="en-US" sz="2800" spc="50" dirty="0">
                 <a:solidFill>
                   <a:schemeClr val="bg1"/>
                 </a:solidFill>
+                <a:latin typeface="Assistant" panose="00000500000000000000" pitchFamily="2" charset="-79"/>
+                <a:cs typeface="Assistant" panose="00000500000000000000" pitchFamily="2" charset="-79"/>
               </a:rPr>
-              <a:t>Where doubts arise and fears dismay;</a:t>
-            </a:r>
-          </a:p>
-          <a:p>
-            <a:pPr algn="ctr"/>
-            <a:endParaRPr lang="en-US" sz="3600" dirty="0">
+              <a:t>Though Satan’s darts at me are hurled;</a:t>
+            </a:r>
+          </a:p>
+          <a:p>
+            <a:pPr algn="ctr"/>
+            <a:r>
+              <a:rPr lang="en-US" sz="2800" spc="50" dirty="0">
+                <a:solidFill>
+                  <a:schemeClr val="bg1"/>
+                </a:solidFill>
+                <a:latin typeface="Assistant" panose="00000500000000000000" pitchFamily="2" charset="-79"/>
+                <a:cs typeface="Assistant" panose="00000500000000000000" pitchFamily="2" charset="-79"/>
+              </a:rPr>
+              <a:t>For faith has caught the joyful sound,</a:t>
+            </a:r>
+          </a:p>
+          <a:p>
+            <a:pPr algn="ctr"/>
+            <a:r>
+              <a:rPr lang="en-US" sz="2800" spc="50" dirty="0">
+                <a:solidFill>
+                  <a:schemeClr val="bg1"/>
+                </a:solidFill>
+                <a:latin typeface="Assistant" panose="00000500000000000000" pitchFamily="2" charset="-79"/>
+                <a:cs typeface="Assistant" panose="00000500000000000000" pitchFamily="2" charset="-79"/>
+              </a:rPr>
+              <a:t>The song of saints on higher ground.</a:t>
+            </a:r>
+          </a:p>
+          <a:p>
+            <a:pPr algn="ctr"/>
+            <a:endParaRPr lang="en-US" sz="2800" spc="50" dirty="0">
               <a:solidFill>
                 <a:schemeClr val="bg1"/>
               </a:solidFill>
+              <a:latin typeface="Assistant" panose="00000500000000000000" pitchFamily="2" charset="-79"/>
+              <a:cs typeface="Assistant" panose="00000500000000000000" pitchFamily="2" charset="-79"/>
             </a:endParaRPr>
           </a:p>
           <a:p>
             <a:pPr algn="ctr"/>
             <a:r>
-              <a:rPr lang="en-US" sz="3600" dirty="0">
+              <a:rPr lang="en-US" sz="2800" spc="50" dirty="0">
                 <a:solidFill>
                   <a:schemeClr val="bg1"/>
                 </a:solidFill>
+                <a:latin typeface="Assistant" panose="00000500000000000000" pitchFamily="2" charset="-79"/>
+                <a:cs typeface="Assistant" panose="00000500000000000000" pitchFamily="2" charset="-79"/>
               </a:rPr>
-              <a:t>Though some may dwell where these abound,</a:t>
-            </a:r>
-          </a:p>
-          <a:p>
-            <a:pPr algn="ctr"/>
-            <a:r>
-              <a:rPr lang="en-US" sz="3600" dirty="0">
+              <a:t>Lord, lift me up and let me stand</a:t>
+            </a:r>
+          </a:p>
+          <a:p>
+            <a:pPr algn="ctr"/>
+            <a:r>
+              <a:rPr lang="en-US" sz="2800" spc="50" dirty="0">
                 <a:solidFill>
                   <a:schemeClr val="bg1"/>
                 </a:solidFill>
+                <a:latin typeface="Assistant" panose="00000500000000000000" pitchFamily="2" charset="-79"/>
+                <a:cs typeface="Assistant" panose="00000500000000000000" pitchFamily="2" charset="-79"/>
               </a:rPr>
-              <a:t>My prayer, my aim is higher ground.</a:t>
-            </a:r>
+              <a:t>By faith on heaven’s table-land--</a:t>
+            </a:r>
+          </a:p>
+          <a:p>
+            <a:pPr algn="ctr"/>
+            <a:r>
+              <a:rPr lang="en-US" sz="2800" spc="50" dirty="0">
+                <a:solidFill>
+                  <a:schemeClr val="bg1"/>
+                </a:solidFill>
+                <a:latin typeface="Assistant" panose="00000500000000000000" pitchFamily="2" charset="-79"/>
+                <a:cs typeface="Assistant" panose="00000500000000000000" pitchFamily="2" charset="-79"/>
+              </a:rPr>
+              <a:t>A higher plane than I have found;</a:t>
+            </a:r>
+          </a:p>
+          <a:p>
+            <a:pPr algn="ctr"/>
+            <a:r>
+              <a:rPr lang="en-US" sz="2800" spc="50" dirty="0">
+                <a:solidFill>
+                  <a:schemeClr val="bg1"/>
+                </a:solidFill>
+                <a:latin typeface="Assistant" panose="00000500000000000000" pitchFamily="2" charset="-79"/>
+                <a:cs typeface="Assistant" panose="00000500000000000000" pitchFamily="2" charset="-79"/>
+              </a:rPr>
+              <a:t>Lord, plant my feet on higher ground.</a:t>
+            </a:r>
+          </a:p>
+          <a:p>
+            <a:pPr algn="ctr"/>
+            <a:endParaRPr lang="en-US" sz="2800" spc="50" dirty="0">
+              <a:solidFill>
+                <a:schemeClr val="bg1"/>
+              </a:solidFill>
+              <a:latin typeface="Assistant" panose="00000500000000000000" pitchFamily="2" charset="-79"/>
+              <a:cs typeface="Assistant" panose="00000500000000000000" pitchFamily="2" charset="-79"/>
+            </a:endParaRPr>
           </a:p>
         </p:txBody>
       </p:sp>
     </p:spTree>
     <p:extLst>
       <p:ext uri="{BB962C8B-B14F-4D97-AF65-F5344CB8AC3E}">
-        <p14:creationId xmlns:p14="http://schemas.microsoft.com/office/powerpoint/2010/main" val="2565992513"/>
+        <p14:creationId xmlns:p14="http://schemas.microsoft.com/office/powerpoint/2010/main" val="1991338211"/>
       </p:ext>
     </p:extLst>
   </p:cSld>
@@ -3615,8 +3831,8 @@
         </p:nvSpPr>
         <p:spPr>
           <a:xfrm>
-            <a:off x="0" y="5804209"/>
-            <a:ext cx="12192000" cy="830997"/>
+            <a:off x="0" y="5927320"/>
+            <a:ext cx="12192000" cy="584775"/>
           </a:xfrm>
           <a:prstGeom prst="rect">
             <a:avLst/>
@@ -3631,10 +3847,12 @@
           <a:p>
             <a:pPr algn="ctr"/>
             <a:r>
-              <a:rPr lang="en-US" sz="4800" dirty="0">
+              <a:rPr lang="en-US" sz="3200" u="sng" dirty="0">
                 <a:solidFill>
                   <a:schemeClr val="bg1"/>
                 </a:solidFill>
+                <a:latin typeface="Assistant SemiBold" panose="00000700000000000000" pitchFamily="2" charset="-79"/>
+                <a:cs typeface="Assistant SemiBold" panose="00000700000000000000" pitchFamily="2" charset="-79"/>
               </a:rPr>
               <a:t>“I’m Pressing on the Upward Way”</a:t>
             </a:r>
@@ -3649,8 +3867,8 @@
         </p:nvSpPr>
         <p:spPr>
           <a:xfrm>
-            <a:off x="0" y="1045678"/>
-            <a:ext cx="12192000" cy="2862322"/>
+            <a:off x="0" y="820198"/>
+            <a:ext cx="12192000" cy="4401205"/>
           </a:xfrm>
           <a:prstGeom prst="rect">
             <a:avLst/>
@@ -3665,40 +3883,100 @@
           <a:p>
             <a:pPr algn="ctr"/>
             <a:r>
-              <a:rPr lang="en-US" sz="3600" dirty="0">
+              <a:rPr lang="en-US" sz="2800" spc="50" dirty="0">
                 <a:solidFill>
                   <a:schemeClr val="bg1"/>
                 </a:solidFill>
+                <a:latin typeface="Assistant" panose="00000500000000000000" pitchFamily="2" charset="-79"/>
+                <a:cs typeface="Assistant" panose="00000500000000000000" pitchFamily="2" charset="-79"/>
               </a:rPr>
-              <a:t>Lord, lift me up and let me stand</a:t>
-            </a:r>
-          </a:p>
-          <a:p>
-            <a:pPr algn="ctr"/>
-            <a:r>
-              <a:rPr lang="en-US" sz="3600" dirty="0">
+              <a:t>I want to scale the utmost height,</a:t>
+            </a:r>
+          </a:p>
+          <a:p>
+            <a:pPr algn="ctr"/>
+            <a:r>
+              <a:rPr lang="en-US" sz="2800" spc="50" dirty="0">
                 <a:solidFill>
                   <a:schemeClr val="bg1"/>
                 </a:solidFill>
+                <a:latin typeface="Assistant" panose="00000500000000000000" pitchFamily="2" charset="-79"/>
+                <a:cs typeface="Assistant" panose="00000500000000000000" pitchFamily="2" charset="-79"/>
               </a:rPr>
-              <a:t>By faith on heaven’s table-land--</a:t>
-            </a:r>
-          </a:p>
-          <a:p>
-            <a:pPr algn="ctr"/>
-            <a:endParaRPr lang="en-US" sz="3600" dirty="0">
+              <a:t>And catch a gleam of glory bright,</a:t>
+            </a:r>
+          </a:p>
+          <a:p>
+            <a:pPr algn="ctr"/>
+            <a:r>
+              <a:rPr lang="en-US" sz="2800" spc="50" dirty="0">
+                <a:solidFill>
+                  <a:schemeClr val="bg1"/>
+                </a:solidFill>
+                <a:latin typeface="Assistant" panose="00000500000000000000" pitchFamily="2" charset="-79"/>
+                <a:cs typeface="Assistant" panose="00000500000000000000" pitchFamily="2" charset="-79"/>
+              </a:rPr>
+              <a:t>But still I’ll pray ‘til heaven I’ve found,</a:t>
+            </a:r>
+          </a:p>
+          <a:p>
+            <a:pPr algn="ctr"/>
+            <a:r>
+              <a:rPr lang="en-US" sz="2800" spc="50" dirty="0">
+                <a:solidFill>
+                  <a:schemeClr val="bg1"/>
+                </a:solidFill>
+                <a:latin typeface="Assistant" panose="00000500000000000000" pitchFamily="2" charset="-79"/>
+                <a:cs typeface="Assistant" panose="00000500000000000000" pitchFamily="2" charset="-79"/>
+              </a:rPr>
+              <a:t>“Lord, lead me onto higher ground.”</a:t>
+            </a:r>
+          </a:p>
+          <a:p>
+            <a:pPr algn="ctr"/>
+            <a:endParaRPr lang="en-US" sz="2800" spc="50" dirty="0">
               <a:solidFill>
                 <a:schemeClr val="bg1"/>
               </a:solidFill>
+              <a:latin typeface="Assistant" panose="00000500000000000000" pitchFamily="2" charset="-79"/>
+              <a:cs typeface="Assistant" panose="00000500000000000000" pitchFamily="2" charset="-79"/>
             </a:endParaRPr>
           </a:p>
           <a:p>
             <a:pPr algn="ctr"/>
             <a:r>
-              <a:rPr lang="en-US" sz="3600" dirty="0">
+              <a:rPr lang="en-US" sz="2800" spc="50" dirty="0">
                 <a:solidFill>
                   <a:schemeClr val="bg1"/>
                 </a:solidFill>
+                <a:latin typeface="Assistant" panose="00000500000000000000" pitchFamily="2" charset="-79"/>
+                <a:cs typeface="Assistant" panose="00000500000000000000" pitchFamily="2" charset="-79"/>
+              </a:rPr>
+              <a:t>Lord, lift me up and let me stand</a:t>
+            </a:r>
+          </a:p>
+          <a:p>
+            <a:pPr algn="ctr"/>
+            <a:r>
+              <a:rPr lang="en-US" sz="2800" spc="50" dirty="0">
+                <a:solidFill>
+                  <a:schemeClr val="bg1"/>
+                </a:solidFill>
+                <a:latin typeface="Assistant" panose="00000500000000000000" pitchFamily="2" charset="-79"/>
+                <a:cs typeface="Assistant" panose="00000500000000000000" pitchFamily="2" charset="-79"/>
+              </a:rPr>
+              <a:t>By faith on heaven’s table-land--</a:t>
+            </a:r>
+          </a:p>
+          <a:p>
+            <a:pPr algn="ctr"/>
+            <a:r>
+              <a:rPr lang="en-US" sz="2800" spc="50" dirty="0">
+                <a:solidFill>
+                  <a:schemeClr val="bg1"/>
+                </a:solidFill>
+                <a:latin typeface="Assistant" panose="00000500000000000000" pitchFamily="2" charset="-79"/>
+                <a:cs typeface="Assistant" panose="00000500000000000000" pitchFamily="2" charset="-79"/>
               </a:rPr>
               <a:t>A higher plane than I have found;</a:t>
             </a:r>
@@ -3706,613 +3984,24 @@
           <a:p>
             <a:pPr algn="ctr"/>
             <a:r>
-              <a:rPr lang="en-US" sz="3600" dirty="0">
+              <a:rPr lang="en-US" sz="2800" spc="50" dirty="0">
                 <a:solidFill>
                   <a:schemeClr val="bg1"/>
                 </a:solidFill>
+                <a:latin typeface="Assistant" panose="00000500000000000000" pitchFamily="2" charset="-79"/>
+                <a:cs typeface="Assistant" panose="00000500000000000000" pitchFamily="2" charset="-79"/>
               </a:rPr>
               <a:t>Lord, plant my feet on higher ground.</a:t>
             </a:r>
           </a:p>
-        </p:txBody>
-      </p:sp>
-    </p:spTree>
-    <p:extLst>
-      <p:ext uri="{BB962C8B-B14F-4D97-AF65-F5344CB8AC3E}">
-        <p14:creationId xmlns:p14="http://schemas.microsoft.com/office/powerpoint/2010/main" val="198704365"/>
-      </p:ext>
-    </p:extLst>
-  </p:cSld>
-  <p:clrMapOvr>
-    <a:masterClrMapping/>
-  </p:clrMapOvr>
-</p:sld>
-</file>
-
-<file path=ppt/slides/slide5.xml><?xml version="1.0" encoding="utf-8"?>
-<p:sld xmlns:a="http://schemas.openxmlformats.org/drawingml/2006/main" xmlns:r="http://schemas.openxmlformats.org/officeDocument/2006/relationships" xmlns:p="http://schemas.openxmlformats.org/presentationml/2006/main">
-  <p:cSld>
-    <p:spTree>
-      <p:nvGrpSpPr>
-        <p:cNvPr id="1" name=""/>
-        <p:cNvGrpSpPr/>
-        <p:nvPr/>
-      </p:nvGrpSpPr>
-      <p:grpSpPr>
-        <a:xfrm>
-          <a:off x="0" y="0"/>
-          <a:ext cx="0" cy="0"/>
-          <a:chOff x="0" y="0"/>
-          <a:chExt cx="0" cy="0"/>
-        </a:xfrm>
-      </p:grpSpPr>
-      <p:sp>
-        <p:nvSpPr>
-          <p:cNvPr id="4" name="Rectangle 3"/>
-          <p:cNvSpPr/>
-          <p:nvPr/>
-        </p:nvSpPr>
-        <p:spPr>
-          <a:xfrm>
-            <a:off x="0" y="5444197"/>
-            <a:ext cx="12192000" cy="1413803"/>
-          </a:xfrm>
-          <a:prstGeom prst="rect">
-            <a:avLst/>
-          </a:prstGeom>
-          <a:gradFill flip="none" rotWithShape="1">
-            <a:gsLst>
-              <a:gs pos="0">
-                <a:srgbClr val="998675">
-                  <a:alpha val="0"/>
-                </a:srgbClr>
-              </a:gs>
-              <a:gs pos="100000">
-                <a:srgbClr val="998675"/>
-              </a:gs>
-            </a:gsLst>
-            <a:lin ang="5400000" scaled="1"/>
-            <a:tileRect/>
-          </a:gradFill>
-          <a:ln>
-            <a:noFill/>
-          </a:ln>
-        </p:spPr>
-        <p:style>
-          <a:lnRef idx="2">
-            <a:schemeClr val="accent1">
-              <a:shade val="50000"/>
-            </a:schemeClr>
-          </a:lnRef>
-          <a:fillRef idx="1">
-            <a:schemeClr val="accent1"/>
-          </a:fillRef>
-          <a:effectRef idx="0">
-            <a:schemeClr val="accent1"/>
-          </a:effectRef>
-          <a:fontRef idx="minor">
-            <a:schemeClr val="lt1"/>
-          </a:fontRef>
-        </p:style>
-        <p:txBody>
-          <a:bodyPr rtlCol="0" anchor="ctr"/>
-          <a:lstStyle/>
-          <a:p>
-            <a:pPr algn="ctr"/>
-            <a:endParaRPr lang="en-US"/>
-          </a:p>
-        </p:txBody>
-      </p:sp>
-      <p:sp>
-        <p:nvSpPr>
-          <p:cNvPr id="7" name="TextBox 6"/>
-          <p:cNvSpPr txBox="1"/>
-          <p:nvPr/>
-        </p:nvSpPr>
-        <p:spPr>
-          <a:xfrm>
-            <a:off x="0" y="5804209"/>
-            <a:ext cx="12192000" cy="830997"/>
-          </a:xfrm>
-          <a:prstGeom prst="rect">
-            <a:avLst/>
-          </a:prstGeom>
-          <a:noFill/>
-        </p:spPr>
-        <p:txBody>
-          <a:bodyPr wrap="square" rtlCol="0" anchor="ctr">
-            <a:spAutoFit/>
-          </a:bodyPr>
-          <a:lstStyle/>
-          <a:p>
-            <a:pPr algn="ctr"/>
-            <a:r>
-              <a:rPr lang="en-US" sz="4800" dirty="0">
-                <a:solidFill>
-                  <a:schemeClr val="bg1"/>
-                </a:solidFill>
-              </a:rPr>
-              <a:t>“I’m Pressing on the Upward Way”</a:t>
-            </a:r>
-          </a:p>
-        </p:txBody>
-      </p:sp>
-      <p:sp>
-        <p:nvSpPr>
-          <p:cNvPr id="8" name="TextBox 7"/>
-          <p:cNvSpPr txBox="1"/>
-          <p:nvPr/>
-        </p:nvSpPr>
-        <p:spPr>
-          <a:xfrm>
-            <a:off x="0" y="1045678"/>
-            <a:ext cx="12192000" cy="2862322"/>
-          </a:xfrm>
-          <a:prstGeom prst="rect">
-            <a:avLst/>
-          </a:prstGeom>
-          <a:noFill/>
-        </p:spPr>
-        <p:txBody>
-          <a:bodyPr wrap="square" rtlCol="0">
-            <a:spAutoFit/>
-          </a:bodyPr>
-          <a:lstStyle/>
-          <a:p>
-            <a:pPr algn="ctr"/>
-            <a:r>
-              <a:rPr lang="en-US" sz="3600" dirty="0">
-                <a:solidFill>
-                  <a:schemeClr val="bg1"/>
-                </a:solidFill>
-              </a:rPr>
-              <a:t>I want to live above the world,</a:t>
-            </a:r>
-          </a:p>
-          <a:p>
-            <a:pPr algn="ctr"/>
-            <a:r>
-              <a:rPr lang="en-US" sz="3600" dirty="0">
-                <a:solidFill>
-                  <a:schemeClr val="bg1"/>
-                </a:solidFill>
-              </a:rPr>
-              <a:t>Though Satan’s darts at me are hurled;</a:t>
-            </a:r>
-          </a:p>
-          <a:p>
-            <a:pPr algn="ctr"/>
-            <a:endParaRPr lang="en-US" sz="3600" dirty="0">
+          <a:p>
+            <a:pPr algn="ctr"/>
+            <a:endParaRPr lang="en-US" sz="2800" spc="50" dirty="0">
               <a:solidFill>
                 <a:schemeClr val="bg1"/>
               </a:solidFill>
-            </a:endParaRPr>
-          </a:p>
-          <a:p>
-            <a:pPr algn="ctr"/>
-            <a:r>
-              <a:rPr lang="en-US" sz="3600" dirty="0">
-                <a:solidFill>
-                  <a:schemeClr val="bg1"/>
-                </a:solidFill>
-              </a:rPr>
-              <a:t>For faith has caught the joyful sound,</a:t>
-            </a:r>
-          </a:p>
-          <a:p>
-            <a:pPr algn="ctr"/>
-            <a:r>
-              <a:rPr lang="en-US" sz="3600" dirty="0">
-                <a:solidFill>
-                  <a:schemeClr val="bg1"/>
-                </a:solidFill>
-              </a:rPr>
-              <a:t>The song of saints on higher ground.</a:t>
-            </a:r>
-          </a:p>
-        </p:txBody>
-      </p:sp>
-    </p:spTree>
-    <p:extLst>
-      <p:ext uri="{BB962C8B-B14F-4D97-AF65-F5344CB8AC3E}">
-        <p14:creationId xmlns:p14="http://schemas.microsoft.com/office/powerpoint/2010/main" val="1991338211"/>
-      </p:ext>
-    </p:extLst>
-  </p:cSld>
-  <p:clrMapOvr>
-    <a:masterClrMapping/>
-  </p:clrMapOvr>
-</p:sld>
-</file>
-
-<file path=ppt/slides/slide6.xml><?xml version="1.0" encoding="utf-8"?>
-<p:sld xmlns:a="http://schemas.openxmlformats.org/drawingml/2006/main" xmlns:r="http://schemas.openxmlformats.org/officeDocument/2006/relationships" xmlns:p="http://schemas.openxmlformats.org/presentationml/2006/main">
-  <p:cSld>
-    <p:spTree>
-      <p:nvGrpSpPr>
-        <p:cNvPr id="1" name=""/>
-        <p:cNvGrpSpPr/>
-        <p:nvPr/>
-      </p:nvGrpSpPr>
-      <p:grpSpPr>
-        <a:xfrm>
-          <a:off x="0" y="0"/>
-          <a:ext cx="0" cy="0"/>
-          <a:chOff x="0" y="0"/>
-          <a:chExt cx="0" cy="0"/>
-        </a:xfrm>
-      </p:grpSpPr>
-      <p:sp>
-        <p:nvSpPr>
-          <p:cNvPr id="4" name="Rectangle 3"/>
-          <p:cNvSpPr/>
-          <p:nvPr/>
-        </p:nvSpPr>
-        <p:spPr>
-          <a:xfrm>
-            <a:off x="0" y="5444197"/>
-            <a:ext cx="12192000" cy="1413803"/>
-          </a:xfrm>
-          <a:prstGeom prst="rect">
-            <a:avLst/>
-          </a:prstGeom>
-          <a:gradFill flip="none" rotWithShape="1">
-            <a:gsLst>
-              <a:gs pos="0">
-                <a:srgbClr val="998675">
-                  <a:alpha val="0"/>
-                </a:srgbClr>
-              </a:gs>
-              <a:gs pos="100000">
-                <a:srgbClr val="998675"/>
-              </a:gs>
-            </a:gsLst>
-            <a:lin ang="5400000" scaled="1"/>
-            <a:tileRect/>
-          </a:gradFill>
-          <a:ln>
-            <a:noFill/>
-          </a:ln>
-        </p:spPr>
-        <p:style>
-          <a:lnRef idx="2">
-            <a:schemeClr val="accent1">
-              <a:shade val="50000"/>
-            </a:schemeClr>
-          </a:lnRef>
-          <a:fillRef idx="1">
-            <a:schemeClr val="accent1"/>
-          </a:fillRef>
-          <a:effectRef idx="0">
-            <a:schemeClr val="accent1"/>
-          </a:effectRef>
-          <a:fontRef idx="minor">
-            <a:schemeClr val="lt1"/>
-          </a:fontRef>
-        </p:style>
-        <p:txBody>
-          <a:bodyPr rtlCol="0" anchor="ctr"/>
-          <a:lstStyle/>
-          <a:p>
-            <a:pPr algn="ctr"/>
-            <a:endParaRPr lang="en-US"/>
-          </a:p>
-        </p:txBody>
-      </p:sp>
-      <p:sp>
-        <p:nvSpPr>
-          <p:cNvPr id="7" name="TextBox 6"/>
-          <p:cNvSpPr txBox="1"/>
-          <p:nvPr/>
-        </p:nvSpPr>
-        <p:spPr>
-          <a:xfrm>
-            <a:off x="0" y="5804209"/>
-            <a:ext cx="12192000" cy="830997"/>
-          </a:xfrm>
-          <a:prstGeom prst="rect">
-            <a:avLst/>
-          </a:prstGeom>
-          <a:noFill/>
-        </p:spPr>
-        <p:txBody>
-          <a:bodyPr wrap="square" rtlCol="0" anchor="ctr">
-            <a:spAutoFit/>
-          </a:bodyPr>
-          <a:lstStyle/>
-          <a:p>
-            <a:pPr algn="ctr"/>
-            <a:r>
-              <a:rPr lang="en-US" sz="4800" dirty="0">
-                <a:solidFill>
-                  <a:schemeClr val="bg1"/>
-                </a:solidFill>
-              </a:rPr>
-              <a:t>“I’m Pressing on the Upward Way”</a:t>
-            </a:r>
-          </a:p>
-        </p:txBody>
-      </p:sp>
-      <p:sp>
-        <p:nvSpPr>
-          <p:cNvPr id="8" name="TextBox 7"/>
-          <p:cNvSpPr txBox="1"/>
-          <p:nvPr/>
-        </p:nvSpPr>
-        <p:spPr>
-          <a:xfrm>
-            <a:off x="0" y="1045678"/>
-            <a:ext cx="12192000" cy="2862322"/>
-          </a:xfrm>
-          <a:prstGeom prst="rect">
-            <a:avLst/>
-          </a:prstGeom>
-          <a:noFill/>
-        </p:spPr>
-        <p:txBody>
-          <a:bodyPr wrap="square" rtlCol="0">
-            <a:spAutoFit/>
-          </a:bodyPr>
-          <a:lstStyle/>
-          <a:p>
-            <a:pPr algn="ctr"/>
-            <a:r>
-              <a:rPr lang="en-US" sz="3600" dirty="0">
-                <a:solidFill>
-                  <a:schemeClr val="bg1"/>
-                </a:solidFill>
-              </a:rPr>
-              <a:t>Lord, lift me up and let me stand</a:t>
-            </a:r>
-          </a:p>
-          <a:p>
-            <a:pPr algn="ctr"/>
-            <a:r>
-              <a:rPr lang="en-US" sz="3600" dirty="0">
-                <a:solidFill>
-                  <a:schemeClr val="bg1"/>
-                </a:solidFill>
-              </a:rPr>
-              <a:t>By faith on heaven’s table-land--</a:t>
-            </a:r>
-          </a:p>
-          <a:p>
-            <a:pPr algn="ctr"/>
-            <a:endParaRPr lang="en-US" sz="3600" dirty="0">
-              <a:solidFill>
-                <a:schemeClr val="bg1"/>
-              </a:solidFill>
-            </a:endParaRPr>
-          </a:p>
-          <a:p>
-            <a:pPr algn="ctr"/>
-            <a:r>
-              <a:rPr lang="en-US" sz="3600" dirty="0">
-                <a:solidFill>
-                  <a:schemeClr val="bg1"/>
-                </a:solidFill>
-              </a:rPr>
-              <a:t>A higher plane than I have found;</a:t>
-            </a:r>
-          </a:p>
-          <a:p>
-            <a:pPr algn="ctr"/>
-            <a:r>
-              <a:rPr lang="en-US" sz="3600" dirty="0">
-                <a:solidFill>
-                  <a:schemeClr val="bg1"/>
-                </a:solidFill>
-              </a:rPr>
-              <a:t>Lord, plant my feet on higher ground.</a:t>
-            </a:r>
-          </a:p>
-        </p:txBody>
-      </p:sp>
-    </p:spTree>
-    <p:extLst>
-      <p:ext uri="{BB962C8B-B14F-4D97-AF65-F5344CB8AC3E}">
-        <p14:creationId xmlns:p14="http://schemas.microsoft.com/office/powerpoint/2010/main" val="2390468163"/>
-      </p:ext>
-    </p:extLst>
-  </p:cSld>
-  <p:clrMapOvr>
-    <a:masterClrMapping/>
-  </p:clrMapOvr>
-</p:sld>
-</file>
-
-<file path=ppt/slides/slide7.xml><?xml version="1.0" encoding="utf-8"?>
-<p:sld xmlns:a="http://schemas.openxmlformats.org/drawingml/2006/main" xmlns:r="http://schemas.openxmlformats.org/officeDocument/2006/relationships" xmlns:p="http://schemas.openxmlformats.org/presentationml/2006/main">
-  <p:cSld>
-    <p:spTree>
-      <p:nvGrpSpPr>
-        <p:cNvPr id="1" name=""/>
-        <p:cNvGrpSpPr/>
-        <p:nvPr/>
-      </p:nvGrpSpPr>
-      <p:grpSpPr>
-        <a:xfrm>
-          <a:off x="0" y="0"/>
-          <a:ext cx="0" cy="0"/>
-          <a:chOff x="0" y="0"/>
-          <a:chExt cx="0" cy="0"/>
-        </a:xfrm>
-      </p:grpSpPr>
-      <p:sp>
-        <p:nvSpPr>
-          <p:cNvPr id="4" name="Rectangle 3"/>
-          <p:cNvSpPr/>
-          <p:nvPr/>
-        </p:nvSpPr>
-        <p:spPr>
-          <a:xfrm>
-            <a:off x="0" y="5444197"/>
-            <a:ext cx="12192000" cy="1413803"/>
-          </a:xfrm>
-          <a:prstGeom prst="rect">
-            <a:avLst/>
-          </a:prstGeom>
-          <a:gradFill flip="none" rotWithShape="1">
-            <a:gsLst>
-              <a:gs pos="0">
-                <a:srgbClr val="998675">
-                  <a:alpha val="0"/>
-                </a:srgbClr>
-              </a:gs>
-              <a:gs pos="100000">
-                <a:srgbClr val="998675"/>
-              </a:gs>
-            </a:gsLst>
-            <a:lin ang="5400000" scaled="1"/>
-            <a:tileRect/>
-          </a:gradFill>
-          <a:ln>
-            <a:noFill/>
-          </a:ln>
-        </p:spPr>
-        <p:style>
-          <a:lnRef idx="2">
-            <a:schemeClr val="accent1">
-              <a:shade val="50000"/>
-            </a:schemeClr>
-          </a:lnRef>
-          <a:fillRef idx="1">
-            <a:schemeClr val="accent1"/>
-          </a:fillRef>
-          <a:effectRef idx="0">
-            <a:schemeClr val="accent1"/>
-          </a:effectRef>
-          <a:fontRef idx="minor">
-            <a:schemeClr val="lt1"/>
-          </a:fontRef>
-        </p:style>
-        <p:txBody>
-          <a:bodyPr rtlCol="0" anchor="ctr"/>
-          <a:lstStyle/>
-          <a:p>
-            <a:pPr algn="ctr"/>
-            <a:endParaRPr lang="en-US"/>
-          </a:p>
-        </p:txBody>
-      </p:sp>
-      <p:sp>
-        <p:nvSpPr>
-          <p:cNvPr id="7" name="TextBox 6"/>
-          <p:cNvSpPr txBox="1"/>
-          <p:nvPr/>
-        </p:nvSpPr>
-        <p:spPr>
-          <a:xfrm>
-            <a:off x="0" y="5804209"/>
-            <a:ext cx="12192000" cy="830997"/>
-          </a:xfrm>
-          <a:prstGeom prst="rect">
-            <a:avLst/>
-          </a:prstGeom>
-          <a:noFill/>
-        </p:spPr>
-        <p:txBody>
-          <a:bodyPr wrap="square" rtlCol="0" anchor="ctr">
-            <a:spAutoFit/>
-          </a:bodyPr>
-          <a:lstStyle/>
-          <a:p>
-            <a:pPr algn="ctr"/>
-            <a:r>
-              <a:rPr lang="en-US" sz="4800" dirty="0">
-                <a:solidFill>
-                  <a:schemeClr val="bg1"/>
-                </a:solidFill>
-              </a:rPr>
-              <a:t>“I’m Pressing on the Upward Way”</a:t>
-            </a:r>
-          </a:p>
-        </p:txBody>
-      </p:sp>
-      <p:sp>
-        <p:nvSpPr>
-          <p:cNvPr id="8" name="TextBox 7"/>
-          <p:cNvSpPr txBox="1"/>
-          <p:nvPr/>
-        </p:nvSpPr>
-        <p:spPr>
-          <a:xfrm>
-            <a:off x="0" y="1045678"/>
-            <a:ext cx="12192000" cy="2862322"/>
-          </a:xfrm>
-          <a:prstGeom prst="rect">
-            <a:avLst/>
-          </a:prstGeom>
-          <a:noFill/>
-        </p:spPr>
-        <p:txBody>
-          <a:bodyPr wrap="square" rtlCol="0">
-            <a:spAutoFit/>
-          </a:bodyPr>
-          <a:lstStyle/>
-          <a:p>
-            <a:pPr algn="ctr"/>
-            <a:r>
-              <a:rPr lang="en-US" sz="3600" dirty="0">
-                <a:solidFill>
-                  <a:schemeClr val="bg1"/>
-                </a:solidFill>
-              </a:rPr>
-              <a:t>I want to scale the utmost height,</a:t>
-            </a:r>
-          </a:p>
-          <a:p>
-            <a:pPr algn="ctr"/>
-            <a:r>
-              <a:rPr lang="en-US" sz="3600" dirty="0">
-                <a:solidFill>
-                  <a:schemeClr val="bg1"/>
-                </a:solidFill>
-              </a:rPr>
-              <a:t>And catch a gleam of glory bright,</a:t>
-            </a:r>
-          </a:p>
-          <a:p>
-            <a:pPr algn="ctr"/>
-            <a:endParaRPr lang="en-US" sz="3600" dirty="0">
-              <a:solidFill>
-                <a:schemeClr val="bg1"/>
-              </a:solidFill>
-            </a:endParaRPr>
-          </a:p>
-          <a:p>
-            <a:pPr algn="ctr"/>
-            <a:r>
-              <a:rPr lang="en-US" sz="3600" dirty="0">
-                <a:solidFill>
-                  <a:schemeClr val="bg1"/>
-                </a:solidFill>
-              </a:rPr>
-              <a:t>But still I’ll pray ‘til heaven I’ve found,</a:t>
-            </a:r>
-          </a:p>
-          <a:p>
-            <a:pPr algn="ctr"/>
-            <a:r>
-              <a:rPr lang="en-US" sz="3600" dirty="0">
-                <a:solidFill>
-                  <a:schemeClr val="bg1"/>
-                </a:solidFill>
-              </a:rPr>
-              <a:t>“Lord, lead </a:t>
-            </a:r>
-            <a:r>
-              <a:rPr lang="en-US" sz="3600">
-                <a:solidFill>
-                  <a:schemeClr val="bg1"/>
-                </a:solidFill>
-              </a:rPr>
-              <a:t>me onto higher ground.”</a:t>
-            </a:r>
-            <a:endParaRPr lang="en-US" sz="3600" dirty="0">
-              <a:solidFill>
-                <a:schemeClr val="bg1"/>
-              </a:solidFill>
+              <a:latin typeface="Assistant" panose="00000500000000000000" pitchFamily="2" charset="-79"/>
+              <a:cs typeface="Assistant" panose="00000500000000000000" pitchFamily="2" charset="-79"/>
             </a:endParaRPr>
           </a:p>
         </p:txBody>
@@ -4321,202 +4010,6 @@
     <p:extLst>
       <p:ext uri="{BB962C8B-B14F-4D97-AF65-F5344CB8AC3E}">
         <p14:creationId xmlns:p14="http://schemas.microsoft.com/office/powerpoint/2010/main" val="1991868212"/>
-      </p:ext>
-    </p:extLst>
-  </p:cSld>
-  <p:clrMapOvr>
-    <a:masterClrMapping/>
-  </p:clrMapOvr>
-</p:sld>
-</file>
-
-<file path=ppt/slides/slide8.xml><?xml version="1.0" encoding="utf-8"?>
-<p:sld xmlns:a="http://schemas.openxmlformats.org/drawingml/2006/main" xmlns:r="http://schemas.openxmlformats.org/officeDocument/2006/relationships" xmlns:p="http://schemas.openxmlformats.org/presentationml/2006/main">
-  <p:cSld>
-    <p:spTree>
-      <p:nvGrpSpPr>
-        <p:cNvPr id="1" name=""/>
-        <p:cNvGrpSpPr/>
-        <p:nvPr/>
-      </p:nvGrpSpPr>
-      <p:grpSpPr>
-        <a:xfrm>
-          <a:off x="0" y="0"/>
-          <a:ext cx="0" cy="0"/>
-          <a:chOff x="0" y="0"/>
-          <a:chExt cx="0" cy="0"/>
-        </a:xfrm>
-      </p:grpSpPr>
-      <p:sp>
-        <p:nvSpPr>
-          <p:cNvPr id="4" name="Rectangle 3"/>
-          <p:cNvSpPr/>
-          <p:nvPr/>
-        </p:nvSpPr>
-        <p:spPr>
-          <a:xfrm>
-            <a:off x="0" y="5444197"/>
-            <a:ext cx="12192000" cy="1413803"/>
-          </a:xfrm>
-          <a:prstGeom prst="rect">
-            <a:avLst/>
-          </a:prstGeom>
-          <a:gradFill flip="none" rotWithShape="1">
-            <a:gsLst>
-              <a:gs pos="0">
-                <a:srgbClr val="998675">
-                  <a:alpha val="0"/>
-                </a:srgbClr>
-              </a:gs>
-              <a:gs pos="100000">
-                <a:srgbClr val="998675"/>
-              </a:gs>
-            </a:gsLst>
-            <a:lin ang="5400000" scaled="1"/>
-            <a:tileRect/>
-          </a:gradFill>
-          <a:ln>
-            <a:noFill/>
-          </a:ln>
-        </p:spPr>
-        <p:style>
-          <a:lnRef idx="2">
-            <a:schemeClr val="accent1">
-              <a:shade val="50000"/>
-            </a:schemeClr>
-          </a:lnRef>
-          <a:fillRef idx="1">
-            <a:schemeClr val="accent1"/>
-          </a:fillRef>
-          <a:effectRef idx="0">
-            <a:schemeClr val="accent1"/>
-          </a:effectRef>
-          <a:fontRef idx="minor">
-            <a:schemeClr val="lt1"/>
-          </a:fontRef>
-        </p:style>
-        <p:txBody>
-          <a:bodyPr rtlCol="0" anchor="ctr"/>
-          <a:lstStyle/>
-          <a:p>
-            <a:pPr algn="ctr"/>
-            <a:endParaRPr lang="en-US"/>
-          </a:p>
-        </p:txBody>
-      </p:sp>
-      <p:sp>
-        <p:nvSpPr>
-          <p:cNvPr id="7" name="TextBox 6"/>
-          <p:cNvSpPr txBox="1"/>
-          <p:nvPr/>
-        </p:nvSpPr>
-        <p:spPr>
-          <a:xfrm>
-            <a:off x="0" y="5804209"/>
-            <a:ext cx="12192000" cy="830997"/>
-          </a:xfrm>
-          <a:prstGeom prst="rect">
-            <a:avLst/>
-          </a:prstGeom>
-          <a:noFill/>
-        </p:spPr>
-        <p:txBody>
-          <a:bodyPr wrap="square" rtlCol="0" anchor="ctr">
-            <a:spAutoFit/>
-          </a:bodyPr>
-          <a:lstStyle/>
-          <a:p>
-            <a:pPr algn="ctr"/>
-            <a:r>
-              <a:rPr lang="en-US" sz="4800" dirty="0">
-                <a:solidFill>
-                  <a:schemeClr val="bg1"/>
-                </a:solidFill>
-              </a:rPr>
-              <a:t>“I’m Pressing on the Upward Way”</a:t>
-            </a:r>
-          </a:p>
-        </p:txBody>
-      </p:sp>
-      <p:sp>
-        <p:nvSpPr>
-          <p:cNvPr id="8" name="TextBox 7"/>
-          <p:cNvSpPr txBox="1"/>
-          <p:nvPr/>
-        </p:nvSpPr>
-        <p:spPr>
-          <a:xfrm>
-            <a:off x="0" y="1045678"/>
-            <a:ext cx="12192000" cy="2862322"/>
-          </a:xfrm>
-          <a:prstGeom prst="rect">
-            <a:avLst/>
-          </a:prstGeom>
-          <a:noFill/>
-        </p:spPr>
-        <p:txBody>
-          <a:bodyPr wrap="square" rtlCol="0">
-            <a:spAutoFit/>
-          </a:bodyPr>
-          <a:lstStyle/>
-          <a:p>
-            <a:pPr algn="ctr"/>
-            <a:r>
-              <a:rPr lang="en-US" sz="3600" dirty="0">
-                <a:solidFill>
-                  <a:schemeClr val="bg1"/>
-                </a:solidFill>
-              </a:rPr>
-              <a:t>Lord, lift me up and let me stand</a:t>
-            </a:r>
-          </a:p>
-          <a:p>
-            <a:pPr algn="ctr"/>
-            <a:r>
-              <a:rPr lang="en-US" sz="3600" dirty="0">
-                <a:solidFill>
-                  <a:schemeClr val="bg1"/>
-                </a:solidFill>
-              </a:rPr>
-              <a:t>By faith on heaven’s table-land--</a:t>
-            </a:r>
-          </a:p>
-          <a:p>
-            <a:pPr algn="ctr"/>
-            <a:endParaRPr lang="en-US" sz="3600" dirty="0">
-              <a:solidFill>
-                <a:schemeClr val="bg1"/>
-              </a:solidFill>
-            </a:endParaRPr>
-          </a:p>
-          <a:p>
-            <a:pPr algn="ctr"/>
-            <a:r>
-              <a:rPr lang="en-US" sz="3600" dirty="0">
-                <a:solidFill>
-                  <a:schemeClr val="bg1"/>
-                </a:solidFill>
-              </a:rPr>
-              <a:t>A higher plane than I have found;</a:t>
-            </a:r>
-          </a:p>
-          <a:p>
-            <a:pPr algn="ctr"/>
-            <a:r>
-              <a:rPr lang="en-US" sz="3600" dirty="0">
-                <a:solidFill>
-                  <a:schemeClr val="bg1"/>
-                </a:solidFill>
-              </a:rPr>
-              <a:t>Lord, plant my feet on higher ground.</a:t>
-            </a:r>
-          </a:p>
-        </p:txBody>
-      </p:sp>
-    </p:spTree>
-    <p:extLst>
-      <p:ext uri="{BB962C8B-B14F-4D97-AF65-F5344CB8AC3E}">
-        <p14:creationId xmlns:p14="http://schemas.microsoft.com/office/powerpoint/2010/main" val="3676447319"/>
       </p:ext>
     </p:extLst>
   </p:cSld>
